--- a/brWheel_my/wirings/Firmware-vXX1 button box pinout.pptx
+++ b/brWheel_my/wirings/Firmware-vXX1 button box pinout.pptx
@@ -243,7 +243,7 @@
           <a:p>
             <a:fld id="{9EDE0683-CD21-40D0-9352-407686A61438}" type="datetimeFigureOut">
               <a:rPr lang="en-US" smtClean="0"/>
-              <a:t>28-Apr-22</a:t>
+              <a:t>23-Sep-22</a:t>
             </a:fld>
             <a:endParaRPr lang="en-US"/>
           </a:p>
@@ -413,7 +413,7 @@
           <a:p>
             <a:fld id="{9EDE0683-CD21-40D0-9352-407686A61438}" type="datetimeFigureOut">
               <a:rPr lang="en-US" smtClean="0"/>
-              <a:t>28-Apr-22</a:t>
+              <a:t>23-Sep-22</a:t>
             </a:fld>
             <a:endParaRPr lang="en-US"/>
           </a:p>
@@ -593,7 +593,7 @@
           <a:p>
             <a:fld id="{9EDE0683-CD21-40D0-9352-407686A61438}" type="datetimeFigureOut">
               <a:rPr lang="en-US" smtClean="0"/>
-              <a:t>28-Apr-22</a:t>
+              <a:t>23-Sep-22</a:t>
             </a:fld>
             <a:endParaRPr lang="en-US"/>
           </a:p>
@@ -763,7 +763,7 @@
           <a:p>
             <a:fld id="{9EDE0683-CD21-40D0-9352-407686A61438}" type="datetimeFigureOut">
               <a:rPr lang="en-US" smtClean="0"/>
-              <a:t>28-Apr-22</a:t>
+              <a:t>23-Sep-22</a:t>
             </a:fld>
             <a:endParaRPr lang="en-US"/>
           </a:p>
@@ -1009,7 +1009,7 @@
           <a:p>
             <a:fld id="{9EDE0683-CD21-40D0-9352-407686A61438}" type="datetimeFigureOut">
               <a:rPr lang="en-US" smtClean="0"/>
-              <a:t>28-Apr-22</a:t>
+              <a:t>23-Sep-22</a:t>
             </a:fld>
             <a:endParaRPr lang="en-US"/>
           </a:p>
@@ -1241,7 +1241,7 @@
           <a:p>
             <a:fld id="{9EDE0683-CD21-40D0-9352-407686A61438}" type="datetimeFigureOut">
               <a:rPr lang="en-US" smtClean="0"/>
-              <a:t>28-Apr-22</a:t>
+              <a:t>23-Sep-22</a:t>
             </a:fld>
             <a:endParaRPr lang="en-US"/>
           </a:p>
@@ -1608,7 +1608,7 @@
           <a:p>
             <a:fld id="{9EDE0683-CD21-40D0-9352-407686A61438}" type="datetimeFigureOut">
               <a:rPr lang="en-US" smtClean="0"/>
-              <a:t>28-Apr-22</a:t>
+              <a:t>23-Sep-22</a:t>
             </a:fld>
             <a:endParaRPr lang="en-US"/>
           </a:p>
@@ -1726,7 +1726,7 @@
           <a:p>
             <a:fld id="{9EDE0683-CD21-40D0-9352-407686A61438}" type="datetimeFigureOut">
               <a:rPr lang="en-US" smtClean="0"/>
-              <a:t>28-Apr-22</a:t>
+              <a:t>23-Sep-22</a:t>
             </a:fld>
             <a:endParaRPr lang="en-US"/>
           </a:p>
@@ -1821,7 +1821,7 @@
           <a:p>
             <a:fld id="{9EDE0683-CD21-40D0-9352-407686A61438}" type="datetimeFigureOut">
               <a:rPr lang="en-US" smtClean="0"/>
-              <a:t>28-Apr-22</a:t>
+              <a:t>23-Sep-22</a:t>
             </a:fld>
             <a:endParaRPr lang="en-US"/>
           </a:p>
@@ -2098,7 +2098,7 @@
           <a:p>
             <a:fld id="{9EDE0683-CD21-40D0-9352-407686A61438}" type="datetimeFigureOut">
               <a:rPr lang="en-US" smtClean="0"/>
-              <a:t>28-Apr-22</a:t>
+              <a:t>23-Sep-22</a:t>
             </a:fld>
             <a:endParaRPr lang="en-US"/>
           </a:p>
@@ -2351,7 +2351,7 @@
           <a:p>
             <a:fld id="{9EDE0683-CD21-40D0-9352-407686A61438}" type="datetimeFigureOut">
               <a:rPr lang="en-US" smtClean="0"/>
-              <a:t>28-Apr-22</a:t>
+              <a:t>23-Sep-22</a:t>
             </a:fld>
             <a:endParaRPr lang="en-US"/>
           </a:p>
@@ -2564,7 +2564,7 @@
           <a:p>
             <a:fld id="{9EDE0683-CD21-40D0-9352-407686A61438}" type="datetimeFigureOut">
               <a:rPr lang="en-US" smtClean="0"/>
-              <a:t>28-Apr-22</a:t>
+              <a:t>23-Sep-22</a:t>
             </a:fld>
             <a:endParaRPr lang="en-US"/>
           </a:p>
@@ -3326,7 +3326,7 @@
         </p:nvSpPr>
         <p:spPr>
           <a:xfrm>
-            <a:off x="9666089" y="1018503"/>
+            <a:off x="9544800" y="1065091"/>
             <a:ext cx="2065822" cy="646331"/>
           </a:xfrm>
           <a:prstGeom prst="rect">
@@ -4237,6 +4237,377 @@
           </a:fontRef>
         </p:style>
       </p:cxnSp>
+      <p:sp>
+        <p:nvSpPr>
+          <p:cNvPr id="37" name="Oval 36"/>
+          <p:cNvSpPr/>
+          <p:nvPr/>
+        </p:nvSpPr>
+        <p:spPr>
+          <a:xfrm>
+            <a:off x="9867369" y="2970197"/>
+            <a:ext cx="857756" cy="833587"/>
+          </a:xfrm>
+          <a:prstGeom prst="ellipse">
+            <a:avLst/>
+          </a:prstGeom>
+          <a:noFill/>
+          <a:ln>
+            <a:solidFill>
+              <a:schemeClr val="tx1"/>
+            </a:solidFill>
+          </a:ln>
+        </p:spPr>
+        <p:style>
+          <a:lnRef idx="2">
+            <a:schemeClr val="accent1">
+              <a:shade val="50000"/>
+            </a:schemeClr>
+          </a:lnRef>
+          <a:fillRef idx="1">
+            <a:schemeClr val="accent1"/>
+          </a:fillRef>
+          <a:effectRef idx="0">
+            <a:schemeClr val="accent1"/>
+          </a:effectRef>
+          <a:fontRef idx="minor">
+            <a:schemeClr val="lt1"/>
+          </a:fontRef>
+        </p:style>
+        <p:txBody>
+          <a:bodyPr rtlCol="0" anchor="ctr"/>
+          <a:lstStyle/>
+          <a:p>
+            <a:pPr algn="ctr"/>
+            <a:endParaRPr lang="en-US"/>
+          </a:p>
+        </p:txBody>
+      </p:sp>
+      <p:sp>
+        <p:nvSpPr>
+          <p:cNvPr id="38" name="Up Arrow 37"/>
+          <p:cNvSpPr/>
+          <p:nvPr/>
+        </p:nvSpPr>
+        <p:spPr>
+          <a:xfrm>
+            <a:off x="10146543" y="2785847"/>
+            <a:ext cx="299406" cy="278864"/>
+          </a:xfrm>
+          <a:prstGeom prst="upArrow">
+            <a:avLst/>
+          </a:prstGeom>
+        </p:spPr>
+        <p:style>
+          <a:lnRef idx="2">
+            <a:schemeClr val="accent6">
+              <a:shade val="50000"/>
+            </a:schemeClr>
+          </a:lnRef>
+          <a:fillRef idx="1">
+            <a:schemeClr val="accent6"/>
+          </a:fillRef>
+          <a:effectRef idx="0">
+            <a:schemeClr val="accent6"/>
+          </a:effectRef>
+          <a:fontRef idx="minor">
+            <a:schemeClr val="lt1"/>
+          </a:fontRef>
+        </p:style>
+        <p:txBody>
+          <a:bodyPr rtlCol="0" anchor="ctr"/>
+          <a:lstStyle/>
+          <a:p>
+            <a:pPr algn="ctr"/>
+            <a:endParaRPr lang="en-US"/>
+          </a:p>
+        </p:txBody>
+      </p:sp>
+      <p:sp>
+        <p:nvSpPr>
+          <p:cNvPr id="39" name="Oval 38"/>
+          <p:cNvSpPr/>
+          <p:nvPr/>
+        </p:nvSpPr>
+        <p:spPr>
+          <a:xfrm>
+            <a:off x="10219372" y="3310115"/>
+            <a:ext cx="153749" cy="153749"/>
+          </a:xfrm>
+          <a:prstGeom prst="ellipse">
+            <a:avLst/>
+          </a:prstGeom>
+          <a:solidFill>
+            <a:srgbClr val="FF0000"/>
+          </a:solidFill>
+          <a:ln>
+            <a:solidFill>
+              <a:schemeClr val="tx1"/>
+            </a:solidFill>
+          </a:ln>
+        </p:spPr>
+        <p:style>
+          <a:lnRef idx="2">
+            <a:schemeClr val="accent1">
+              <a:shade val="50000"/>
+            </a:schemeClr>
+          </a:lnRef>
+          <a:fillRef idx="1">
+            <a:schemeClr val="accent1"/>
+          </a:fillRef>
+          <a:effectRef idx="0">
+            <a:schemeClr val="accent1"/>
+          </a:effectRef>
+          <a:fontRef idx="minor">
+            <a:schemeClr val="lt1"/>
+          </a:fontRef>
+        </p:style>
+        <p:txBody>
+          <a:bodyPr rtlCol="0" anchor="ctr"/>
+          <a:lstStyle/>
+          <a:p>
+            <a:pPr algn="ctr"/>
+            <a:endParaRPr lang="en-US"/>
+          </a:p>
+        </p:txBody>
+      </p:sp>
+      <p:sp>
+        <p:nvSpPr>
+          <p:cNvPr id="40" name="Up Arrow 39"/>
+          <p:cNvSpPr/>
+          <p:nvPr/>
+        </p:nvSpPr>
+        <p:spPr>
+          <a:xfrm rot="10800000">
+            <a:off x="10146543" y="3709268"/>
+            <a:ext cx="299406" cy="278864"/>
+          </a:xfrm>
+          <a:prstGeom prst="upArrow">
+            <a:avLst/>
+          </a:prstGeom>
+        </p:spPr>
+        <p:style>
+          <a:lnRef idx="2">
+            <a:schemeClr val="accent6">
+              <a:shade val="50000"/>
+            </a:schemeClr>
+          </a:lnRef>
+          <a:fillRef idx="1">
+            <a:schemeClr val="accent6"/>
+          </a:fillRef>
+          <a:effectRef idx="0">
+            <a:schemeClr val="accent6"/>
+          </a:effectRef>
+          <a:fontRef idx="minor">
+            <a:schemeClr val="lt1"/>
+          </a:fontRef>
+        </p:style>
+        <p:txBody>
+          <a:bodyPr rtlCol="0" anchor="ctr"/>
+          <a:lstStyle/>
+          <a:p>
+            <a:pPr algn="ctr"/>
+            <a:endParaRPr lang="en-US"/>
+          </a:p>
+        </p:txBody>
+      </p:sp>
+      <p:sp>
+        <p:nvSpPr>
+          <p:cNvPr id="41" name="Up Arrow 40"/>
+          <p:cNvSpPr/>
+          <p:nvPr/>
+        </p:nvSpPr>
+        <p:spPr>
+          <a:xfrm rot="16200000">
+            <a:off x="9675462" y="3247557"/>
+            <a:ext cx="299406" cy="278864"/>
+          </a:xfrm>
+          <a:prstGeom prst="upArrow">
+            <a:avLst/>
+          </a:prstGeom>
+        </p:spPr>
+        <p:style>
+          <a:lnRef idx="2">
+            <a:schemeClr val="accent6">
+              <a:shade val="50000"/>
+            </a:schemeClr>
+          </a:lnRef>
+          <a:fillRef idx="1">
+            <a:schemeClr val="accent6"/>
+          </a:fillRef>
+          <a:effectRef idx="0">
+            <a:schemeClr val="accent6"/>
+          </a:effectRef>
+          <a:fontRef idx="minor">
+            <a:schemeClr val="lt1"/>
+          </a:fontRef>
+        </p:style>
+        <p:txBody>
+          <a:bodyPr rtlCol="0" anchor="ctr"/>
+          <a:lstStyle/>
+          <a:p>
+            <a:pPr algn="ctr"/>
+            <a:endParaRPr lang="en-US"/>
+          </a:p>
+        </p:txBody>
+      </p:sp>
+      <p:sp>
+        <p:nvSpPr>
+          <p:cNvPr id="42" name="Up Arrow 41"/>
+          <p:cNvSpPr/>
+          <p:nvPr/>
+        </p:nvSpPr>
+        <p:spPr>
+          <a:xfrm rot="5400000">
+            <a:off x="10611992" y="3269135"/>
+            <a:ext cx="299406" cy="278864"/>
+          </a:xfrm>
+          <a:prstGeom prst="upArrow">
+            <a:avLst/>
+          </a:prstGeom>
+        </p:spPr>
+        <p:style>
+          <a:lnRef idx="2">
+            <a:schemeClr val="accent6">
+              <a:shade val="50000"/>
+            </a:schemeClr>
+          </a:lnRef>
+          <a:fillRef idx="1">
+            <a:schemeClr val="accent6"/>
+          </a:fillRef>
+          <a:effectRef idx="0">
+            <a:schemeClr val="accent6"/>
+          </a:effectRef>
+          <a:fontRef idx="minor">
+            <a:schemeClr val="lt1"/>
+          </a:fontRef>
+        </p:style>
+        <p:txBody>
+          <a:bodyPr rtlCol="0" anchor="ctr"/>
+          <a:lstStyle/>
+          <a:p>
+            <a:pPr algn="ctr"/>
+            <a:endParaRPr lang="en-US"/>
+          </a:p>
+        </p:txBody>
+      </p:sp>
+      <p:sp>
+        <p:nvSpPr>
+          <p:cNvPr id="43" name="TextBox 42"/>
+          <p:cNvSpPr txBox="1"/>
+          <p:nvPr/>
+        </p:nvSpPr>
+        <p:spPr>
+          <a:xfrm>
+            <a:off x="9544800" y="1770361"/>
+            <a:ext cx="2647200" cy="923330"/>
+          </a:xfrm>
+          <a:prstGeom prst="rect">
+            <a:avLst/>
+          </a:prstGeom>
+          <a:noFill/>
+        </p:spPr>
+        <p:txBody>
+          <a:bodyPr wrap="none" rtlCol="0">
+            <a:spAutoFit/>
+          </a:bodyPr>
+          <a:lstStyle/>
+          <a:p>
+            <a:r>
+              <a:rPr lang="en-US" dirty="0" smtClean="0"/>
+              <a:t>Firmware with “h” option</a:t>
+            </a:r>
+          </a:p>
+          <a:p>
+            <a:r>
+              <a:rPr lang="en-US" dirty="0" smtClean="0"/>
+              <a:t>has </a:t>
+            </a:r>
+            <a:r>
+              <a:rPr lang="en-US" dirty="0"/>
+              <a:t>hat switch </a:t>
+            </a:r>
+            <a:r>
+              <a:rPr lang="en-US" dirty="0" smtClean="0"/>
+              <a:t>support on</a:t>
+            </a:r>
+          </a:p>
+          <a:p>
+            <a:r>
+              <a:rPr lang="en-US" dirty="0" err="1" smtClean="0"/>
+              <a:t>nano</a:t>
+            </a:r>
+            <a:r>
+              <a:rPr lang="en-US" dirty="0" smtClean="0"/>
+              <a:t> pins:</a:t>
+            </a:r>
+            <a:endParaRPr lang="en-US" dirty="0" smtClean="0"/>
+          </a:p>
+        </p:txBody>
+      </p:sp>
+      <p:sp>
+        <p:nvSpPr>
+          <p:cNvPr id="44" name="TextBox 43"/>
+          <p:cNvSpPr txBox="1"/>
+          <p:nvPr/>
+        </p:nvSpPr>
+        <p:spPr>
+          <a:xfrm>
+            <a:off x="11017562" y="2808402"/>
+            <a:ext cx="1150380" cy="1200329"/>
+          </a:xfrm>
+          <a:prstGeom prst="rect">
+            <a:avLst/>
+          </a:prstGeom>
+          <a:noFill/>
+        </p:spPr>
+        <p:txBody>
+          <a:bodyPr wrap="none" rtlCol="0">
+            <a:spAutoFit/>
+          </a:bodyPr>
+          <a:lstStyle/>
+          <a:p>
+            <a:r>
+              <a:rPr lang="en-US" dirty="0" smtClean="0"/>
+              <a:t>A0 </a:t>
+            </a:r>
+            <a:r>
+              <a:rPr lang="en-US" dirty="0" smtClean="0"/>
+              <a:t>- up</a:t>
+            </a:r>
+          </a:p>
+          <a:p>
+            <a:r>
+              <a:rPr lang="en-US" dirty="0" smtClean="0"/>
+              <a:t>D7 </a:t>
+            </a:r>
+            <a:r>
+              <a:rPr lang="en-US" dirty="0" smtClean="0"/>
+              <a:t>- right</a:t>
+            </a:r>
+          </a:p>
+          <a:p>
+            <a:r>
+              <a:rPr lang="en-US" dirty="0" smtClean="0"/>
+              <a:t>D6 </a:t>
+            </a:r>
+            <a:r>
+              <a:rPr lang="en-US" dirty="0" smtClean="0"/>
+              <a:t>- down</a:t>
+            </a:r>
+          </a:p>
+          <a:p>
+            <a:r>
+              <a:rPr lang="en-US" dirty="0" smtClean="0"/>
+              <a:t>D5 </a:t>
+            </a:r>
+            <a:r>
+              <a:rPr lang="en-US" dirty="0" smtClean="0"/>
+              <a:t>- left</a:t>
+            </a:r>
+          </a:p>
+        </p:txBody>
+      </p:sp>
     </p:spTree>
     <p:extLst>
       <p:ext uri="{BB962C8B-B14F-4D97-AF65-F5344CB8AC3E}">

--- a/brWheel_my/wirings/Firmware-vXX1 button box pinout.pptx
+++ b/brWheel_my/wirings/Firmware-vXX1 button box pinout.pptx
@@ -154,10 +154,9 @@
           </a:lstStyle>
           <a:p>
             <a:r>
-              <a:rPr lang="en-US" smtClean="0"/>
+              <a:rPr lang="en-US"/>
               <a:t>Click to edit Master title style</a:t>
             </a:r>
-            <a:endParaRPr lang="en-US"/>
           </a:p>
         </p:txBody>
       </p:sp>
@@ -219,10 +218,9 @@
           </a:lstStyle>
           <a:p>
             <a:r>
-              <a:rPr lang="en-US" smtClean="0"/>
+              <a:rPr lang="en-US"/>
               <a:t>Click to edit Master subtitle style</a:t>
             </a:r>
-            <a:endParaRPr lang="en-US"/>
           </a:p>
         </p:txBody>
       </p:sp>
@@ -243,7 +241,7 @@
           <a:p>
             <a:fld id="{9EDE0683-CD21-40D0-9352-407686A61438}" type="datetimeFigureOut">
               <a:rPr lang="en-US" smtClean="0"/>
-              <a:t>23-Sep-22</a:t>
+              <a:t>13-Nov-24</a:t>
             </a:fld>
             <a:endParaRPr lang="en-US"/>
           </a:p>
@@ -337,10 +335,9 @@
           <a:lstStyle/>
           <a:p>
             <a:r>
-              <a:rPr lang="en-US" smtClean="0"/>
+              <a:rPr lang="en-US"/>
               <a:t>Click to edit Master title style</a:t>
             </a:r>
-            <a:endParaRPr lang="en-US"/>
           </a:p>
         </p:txBody>
       </p:sp>
@@ -361,38 +358,37 @@
           <a:p>
             <a:pPr lvl="0"/>
             <a:r>
-              <a:rPr lang="en-US" smtClean="0"/>
+              <a:rPr lang="en-US"/>
               <a:t>Click to edit Master text styles</a:t>
             </a:r>
           </a:p>
           <a:p>
             <a:pPr lvl="1"/>
             <a:r>
-              <a:rPr lang="en-US" smtClean="0"/>
+              <a:rPr lang="en-US"/>
               <a:t>Second level</a:t>
             </a:r>
           </a:p>
           <a:p>
             <a:pPr lvl="2"/>
             <a:r>
-              <a:rPr lang="en-US" smtClean="0"/>
+              <a:rPr lang="en-US"/>
               <a:t>Third level</a:t>
             </a:r>
           </a:p>
           <a:p>
             <a:pPr lvl="3"/>
             <a:r>
-              <a:rPr lang="en-US" smtClean="0"/>
+              <a:rPr lang="en-US"/>
               <a:t>Fourth level</a:t>
             </a:r>
           </a:p>
           <a:p>
             <a:pPr lvl="4"/>
             <a:r>
-              <a:rPr lang="en-US" smtClean="0"/>
+              <a:rPr lang="en-US"/>
               <a:t>Fifth level</a:t>
             </a:r>
-            <a:endParaRPr lang="en-US"/>
           </a:p>
         </p:txBody>
       </p:sp>
@@ -413,7 +409,7 @@
           <a:p>
             <a:fld id="{9EDE0683-CD21-40D0-9352-407686A61438}" type="datetimeFigureOut">
               <a:rPr lang="en-US" smtClean="0"/>
-              <a:t>23-Sep-22</a:t>
+              <a:t>13-Nov-24</a:t>
             </a:fld>
             <a:endParaRPr lang="en-US"/>
           </a:p>
@@ -512,10 +508,9 @@
           <a:lstStyle/>
           <a:p>
             <a:r>
-              <a:rPr lang="en-US" smtClean="0"/>
+              <a:rPr lang="en-US"/>
               <a:t>Click to edit Master title style</a:t>
             </a:r>
-            <a:endParaRPr lang="en-US"/>
           </a:p>
         </p:txBody>
       </p:sp>
@@ -541,38 +536,37 @@
           <a:p>
             <a:pPr lvl="0"/>
             <a:r>
-              <a:rPr lang="en-US" smtClean="0"/>
+              <a:rPr lang="en-US"/>
               <a:t>Click to edit Master text styles</a:t>
             </a:r>
           </a:p>
           <a:p>
             <a:pPr lvl="1"/>
             <a:r>
-              <a:rPr lang="en-US" smtClean="0"/>
+              <a:rPr lang="en-US"/>
               <a:t>Second level</a:t>
             </a:r>
           </a:p>
           <a:p>
             <a:pPr lvl="2"/>
             <a:r>
-              <a:rPr lang="en-US" smtClean="0"/>
+              <a:rPr lang="en-US"/>
               <a:t>Third level</a:t>
             </a:r>
           </a:p>
           <a:p>
             <a:pPr lvl="3"/>
             <a:r>
-              <a:rPr lang="en-US" smtClean="0"/>
+              <a:rPr lang="en-US"/>
               <a:t>Fourth level</a:t>
             </a:r>
           </a:p>
           <a:p>
             <a:pPr lvl="4"/>
             <a:r>
-              <a:rPr lang="en-US" smtClean="0"/>
+              <a:rPr lang="en-US"/>
               <a:t>Fifth level</a:t>
             </a:r>
-            <a:endParaRPr lang="en-US"/>
           </a:p>
         </p:txBody>
       </p:sp>
@@ -593,7 +587,7 @@
           <a:p>
             <a:fld id="{9EDE0683-CD21-40D0-9352-407686A61438}" type="datetimeFigureOut">
               <a:rPr lang="en-US" smtClean="0"/>
-              <a:t>23-Sep-22</a:t>
+              <a:t>13-Nov-24</a:t>
             </a:fld>
             <a:endParaRPr lang="en-US"/>
           </a:p>
@@ -687,10 +681,9 @@
           <a:lstStyle/>
           <a:p>
             <a:r>
-              <a:rPr lang="en-US" smtClean="0"/>
+              <a:rPr lang="en-US"/>
               <a:t>Click to edit Master title style</a:t>
             </a:r>
-            <a:endParaRPr lang="en-US"/>
           </a:p>
         </p:txBody>
       </p:sp>
@@ -711,38 +704,37 @@
           <a:p>
             <a:pPr lvl="0"/>
             <a:r>
-              <a:rPr lang="en-US" smtClean="0"/>
+              <a:rPr lang="en-US"/>
               <a:t>Click to edit Master text styles</a:t>
             </a:r>
           </a:p>
           <a:p>
             <a:pPr lvl="1"/>
             <a:r>
-              <a:rPr lang="en-US" smtClean="0"/>
+              <a:rPr lang="en-US"/>
               <a:t>Second level</a:t>
             </a:r>
           </a:p>
           <a:p>
             <a:pPr lvl="2"/>
             <a:r>
-              <a:rPr lang="en-US" smtClean="0"/>
+              <a:rPr lang="en-US"/>
               <a:t>Third level</a:t>
             </a:r>
           </a:p>
           <a:p>
             <a:pPr lvl="3"/>
             <a:r>
-              <a:rPr lang="en-US" smtClean="0"/>
+              <a:rPr lang="en-US"/>
               <a:t>Fourth level</a:t>
             </a:r>
           </a:p>
           <a:p>
             <a:pPr lvl="4"/>
             <a:r>
-              <a:rPr lang="en-US" smtClean="0"/>
+              <a:rPr lang="en-US"/>
               <a:t>Fifth level</a:t>
             </a:r>
-            <a:endParaRPr lang="en-US"/>
           </a:p>
         </p:txBody>
       </p:sp>
@@ -763,7 +755,7 @@
           <a:p>
             <a:fld id="{9EDE0683-CD21-40D0-9352-407686A61438}" type="datetimeFigureOut">
               <a:rPr lang="en-US" smtClean="0"/>
-              <a:t>23-Sep-22</a:t>
+              <a:t>13-Nov-24</a:t>
             </a:fld>
             <a:endParaRPr lang="en-US"/>
           </a:p>
@@ -866,10 +858,9 @@
           </a:lstStyle>
           <a:p>
             <a:r>
-              <a:rPr lang="en-US" smtClean="0"/>
+              <a:rPr lang="en-US"/>
               <a:t>Click to edit Master title style</a:t>
             </a:r>
-            <a:endParaRPr lang="en-US"/>
           </a:p>
         </p:txBody>
       </p:sp>
@@ -986,7 +977,7 @@
           <a:p>
             <a:pPr lvl="0"/>
             <a:r>
-              <a:rPr lang="en-US" smtClean="0"/>
+              <a:rPr lang="en-US"/>
               <a:t>Click to edit Master text styles</a:t>
             </a:r>
           </a:p>
@@ -1009,7 +1000,7 @@
           <a:p>
             <a:fld id="{9EDE0683-CD21-40D0-9352-407686A61438}" type="datetimeFigureOut">
               <a:rPr lang="en-US" smtClean="0"/>
-              <a:t>23-Sep-22</a:t>
+              <a:t>13-Nov-24</a:t>
             </a:fld>
             <a:endParaRPr lang="en-US"/>
           </a:p>
@@ -1103,10 +1094,9 @@
           <a:lstStyle/>
           <a:p>
             <a:r>
-              <a:rPr lang="en-US" smtClean="0"/>
+              <a:rPr lang="en-US"/>
               <a:t>Click to edit Master title style</a:t>
             </a:r>
-            <a:endParaRPr lang="en-US"/>
           </a:p>
         </p:txBody>
       </p:sp>
@@ -1132,38 +1122,37 @@
           <a:p>
             <a:pPr lvl="0"/>
             <a:r>
-              <a:rPr lang="en-US" smtClean="0"/>
+              <a:rPr lang="en-US"/>
               <a:t>Click to edit Master text styles</a:t>
             </a:r>
           </a:p>
           <a:p>
             <a:pPr lvl="1"/>
             <a:r>
-              <a:rPr lang="en-US" smtClean="0"/>
+              <a:rPr lang="en-US"/>
               <a:t>Second level</a:t>
             </a:r>
           </a:p>
           <a:p>
             <a:pPr lvl="2"/>
             <a:r>
-              <a:rPr lang="en-US" smtClean="0"/>
+              <a:rPr lang="en-US"/>
               <a:t>Third level</a:t>
             </a:r>
           </a:p>
           <a:p>
             <a:pPr lvl="3"/>
             <a:r>
-              <a:rPr lang="en-US" smtClean="0"/>
+              <a:rPr lang="en-US"/>
               <a:t>Fourth level</a:t>
             </a:r>
           </a:p>
           <a:p>
             <a:pPr lvl="4"/>
             <a:r>
-              <a:rPr lang="en-US" smtClean="0"/>
+              <a:rPr lang="en-US"/>
               <a:t>Fifth level</a:t>
             </a:r>
-            <a:endParaRPr lang="en-US"/>
           </a:p>
         </p:txBody>
       </p:sp>
@@ -1189,38 +1178,37 @@
           <a:p>
             <a:pPr lvl="0"/>
             <a:r>
-              <a:rPr lang="en-US" smtClean="0"/>
+              <a:rPr lang="en-US"/>
               <a:t>Click to edit Master text styles</a:t>
             </a:r>
           </a:p>
           <a:p>
             <a:pPr lvl="1"/>
             <a:r>
-              <a:rPr lang="en-US" smtClean="0"/>
+              <a:rPr lang="en-US"/>
               <a:t>Second level</a:t>
             </a:r>
           </a:p>
           <a:p>
             <a:pPr lvl="2"/>
             <a:r>
-              <a:rPr lang="en-US" smtClean="0"/>
+              <a:rPr lang="en-US"/>
               <a:t>Third level</a:t>
             </a:r>
           </a:p>
           <a:p>
             <a:pPr lvl="3"/>
             <a:r>
-              <a:rPr lang="en-US" smtClean="0"/>
+              <a:rPr lang="en-US"/>
               <a:t>Fourth level</a:t>
             </a:r>
           </a:p>
           <a:p>
             <a:pPr lvl="4"/>
             <a:r>
-              <a:rPr lang="en-US" smtClean="0"/>
+              <a:rPr lang="en-US"/>
               <a:t>Fifth level</a:t>
             </a:r>
-            <a:endParaRPr lang="en-US"/>
           </a:p>
         </p:txBody>
       </p:sp>
@@ -1241,7 +1229,7 @@
           <a:p>
             <a:fld id="{9EDE0683-CD21-40D0-9352-407686A61438}" type="datetimeFigureOut">
               <a:rPr lang="en-US" smtClean="0"/>
-              <a:t>23-Sep-22</a:t>
+              <a:t>13-Nov-24</a:t>
             </a:fld>
             <a:endParaRPr lang="en-US"/>
           </a:p>
@@ -1340,10 +1328,9 @@
           <a:lstStyle/>
           <a:p>
             <a:r>
-              <a:rPr lang="en-US" smtClean="0"/>
+              <a:rPr lang="en-US"/>
               <a:t>Click to edit Master title style</a:t>
             </a:r>
-            <a:endParaRPr lang="en-US"/>
           </a:p>
         </p:txBody>
       </p:sp>
@@ -1406,7 +1393,7 @@
           <a:p>
             <a:pPr lvl="0"/>
             <a:r>
-              <a:rPr lang="en-US" smtClean="0"/>
+              <a:rPr lang="en-US"/>
               <a:t>Click to edit Master text styles</a:t>
             </a:r>
           </a:p>
@@ -1434,38 +1421,37 @@
           <a:p>
             <a:pPr lvl="0"/>
             <a:r>
-              <a:rPr lang="en-US" smtClean="0"/>
+              <a:rPr lang="en-US"/>
               <a:t>Click to edit Master text styles</a:t>
             </a:r>
           </a:p>
           <a:p>
             <a:pPr lvl="1"/>
             <a:r>
-              <a:rPr lang="en-US" smtClean="0"/>
+              <a:rPr lang="en-US"/>
               <a:t>Second level</a:t>
             </a:r>
           </a:p>
           <a:p>
             <a:pPr lvl="2"/>
             <a:r>
-              <a:rPr lang="en-US" smtClean="0"/>
+              <a:rPr lang="en-US"/>
               <a:t>Third level</a:t>
             </a:r>
           </a:p>
           <a:p>
             <a:pPr lvl="3"/>
             <a:r>
-              <a:rPr lang="en-US" smtClean="0"/>
+              <a:rPr lang="en-US"/>
               <a:t>Fourth level</a:t>
             </a:r>
           </a:p>
           <a:p>
             <a:pPr lvl="4"/>
             <a:r>
-              <a:rPr lang="en-US" smtClean="0"/>
+              <a:rPr lang="en-US"/>
               <a:t>Fifth level</a:t>
             </a:r>
-            <a:endParaRPr lang="en-US"/>
           </a:p>
         </p:txBody>
       </p:sp>
@@ -1528,7 +1514,7 @@
           <a:p>
             <a:pPr lvl="0"/>
             <a:r>
-              <a:rPr lang="en-US" smtClean="0"/>
+              <a:rPr lang="en-US"/>
               <a:t>Click to edit Master text styles</a:t>
             </a:r>
           </a:p>
@@ -1556,38 +1542,37 @@
           <a:p>
             <a:pPr lvl="0"/>
             <a:r>
-              <a:rPr lang="en-US" smtClean="0"/>
+              <a:rPr lang="en-US"/>
               <a:t>Click to edit Master text styles</a:t>
             </a:r>
           </a:p>
           <a:p>
             <a:pPr lvl="1"/>
             <a:r>
-              <a:rPr lang="en-US" smtClean="0"/>
+              <a:rPr lang="en-US"/>
               <a:t>Second level</a:t>
             </a:r>
           </a:p>
           <a:p>
             <a:pPr lvl="2"/>
             <a:r>
-              <a:rPr lang="en-US" smtClean="0"/>
+              <a:rPr lang="en-US"/>
               <a:t>Third level</a:t>
             </a:r>
           </a:p>
           <a:p>
             <a:pPr lvl="3"/>
             <a:r>
-              <a:rPr lang="en-US" smtClean="0"/>
+              <a:rPr lang="en-US"/>
               <a:t>Fourth level</a:t>
             </a:r>
           </a:p>
           <a:p>
             <a:pPr lvl="4"/>
             <a:r>
-              <a:rPr lang="en-US" smtClean="0"/>
+              <a:rPr lang="en-US"/>
               <a:t>Fifth level</a:t>
             </a:r>
-            <a:endParaRPr lang="en-US"/>
           </a:p>
         </p:txBody>
       </p:sp>
@@ -1608,7 +1593,7 @@
           <a:p>
             <a:fld id="{9EDE0683-CD21-40D0-9352-407686A61438}" type="datetimeFigureOut">
               <a:rPr lang="en-US" smtClean="0"/>
-              <a:t>23-Sep-22</a:t>
+              <a:t>13-Nov-24</a:t>
             </a:fld>
             <a:endParaRPr lang="en-US"/>
           </a:p>
@@ -1702,10 +1687,9 @@
           <a:lstStyle/>
           <a:p>
             <a:r>
-              <a:rPr lang="en-US" smtClean="0"/>
+              <a:rPr lang="en-US"/>
               <a:t>Click to edit Master title style</a:t>
             </a:r>
-            <a:endParaRPr lang="en-US"/>
           </a:p>
         </p:txBody>
       </p:sp>
@@ -1726,7 +1710,7 @@
           <a:p>
             <a:fld id="{9EDE0683-CD21-40D0-9352-407686A61438}" type="datetimeFigureOut">
               <a:rPr lang="en-US" smtClean="0"/>
-              <a:t>23-Sep-22</a:t>
+              <a:t>13-Nov-24</a:t>
             </a:fld>
             <a:endParaRPr lang="en-US"/>
           </a:p>
@@ -1821,7 +1805,7 @@
           <a:p>
             <a:fld id="{9EDE0683-CD21-40D0-9352-407686A61438}" type="datetimeFigureOut">
               <a:rPr lang="en-US" smtClean="0"/>
-              <a:t>23-Sep-22</a:t>
+              <a:t>13-Nov-24</a:t>
             </a:fld>
             <a:endParaRPr lang="en-US"/>
           </a:p>
@@ -1924,10 +1908,9 @@
           </a:lstStyle>
           <a:p>
             <a:r>
-              <a:rPr lang="en-US" smtClean="0"/>
+              <a:rPr lang="en-US"/>
               <a:t>Click to edit Master title style</a:t>
             </a:r>
-            <a:endParaRPr lang="en-US"/>
           </a:p>
         </p:txBody>
       </p:sp>
@@ -1981,38 +1964,37 @@
           <a:p>
             <a:pPr lvl="0"/>
             <a:r>
-              <a:rPr lang="en-US" smtClean="0"/>
+              <a:rPr lang="en-US"/>
               <a:t>Click to edit Master text styles</a:t>
             </a:r>
           </a:p>
           <a:p>
             <a:pPr lvl="1"/>
             <a:r>
-              <a:rPr lang="en-US" smtClean="0"/>
+              <a:rPr lang="en-US"/>
               <a:t>Second level</a:t>
             </a:r>
           </a:p>
           <a:p>
             <a:pPr lvl="2"/>
             <a:r>
-              <a:rPr lang="en-US" smtClean="0"/>
+              <a:rPr lang="en-US"/>
               <a:t>Third level</a:t>
             </a:r>
           </a:p>
           <a:p>
             <a:pPr lvl="3"/>
             <a:r>
-              <a:rPr lang="en-US" smtClean="0"/>
+              <a:rPr lang="en-US"/>
               <a:t>Fourth level</a:t>
             </a:r>
           </a:p>
           <a:p>
             <a:pPr lvl="4"/>
             <a:r>
-              <a:rPr lang="en-US" smtClean="0"/>
+              <a:rPr lang="en-US"/>
               <a:t>Fifth level</a:t>
             </a:r>
-            <a:endParaRPr lang="en-US"/>
           </a:p>
         </p:txBody>
       </p:sp>
@@ -2075,7 +2057,7 @@
           <a:p>
             <a:pPr lvl="0"/>
             <a:r>
-              <a:rPr lang="en-US" smtClean="0"/>
+              <a:rPr lang="en-US"/>
               <a:t>Click to edit Master text styles</a:t>
             </a:r>
           </a:p>
@@ -2098,7 +2080,7 @@
           <a:p>
             <a:fld id="{9EDE0683-CD21-40D0-9352-407686A61438}" type="datetimeFigureOut">
               <a:rPr lang="en-US" smtClean="0"/>
-              <a:t>23-Sep-22</a:t>
+              <a:t>13-Nov-24</a:t>
             </a:fld>
             <a:endParaRPr lang="en-US"/>
           </a:p>
@@ -2201,10 +2183,9 @@
           </a:lstStyle>
           <a:p>
             <a:r>
-              <a:rPr lang="en-US" smtClean="0"/>
+              <a:rPr lang="en-US"/>
               <a:t>Click to edit Master title style</a:t>
             </a:r>
-            <a:endParaRPr lang="en-US"/>
           </a:p>
         </p:txBody>
       </p:sp>
@@ -2328,7 +2309,7 @@
           <a:p>
             <a:pPr lvl="0"/>
             <a:r>
-              <a:rPr lang="en-US" smtClean="0"/>
+              <a:rPr lang="en-US"/>
               <a:t>Click to edit Master text styles</a:t>
             </a:r>
           </a:p>
@@ -2351,7 +2332,7 @@
           <a:p>
             <a:fld id="{9EDE0683-CD21-40D0-9352-407686A61438}" type="datetimeFigureOut">
               <a:rPr lang="en-US" smtClean="0"/>
-              <a:t>23-Sep-22</a:t>
+              <a:t>13-Nov-24</a:t>
             </a:fld>
             <a:endParaRPr lang="en-US"/>
           </a:p>
@@ -2460,10 +2441,9 @@
           <a:lstStyle/>
           <a:p>
             <a:r>
-              <a:rPr lang="en-US" smtClean="0"/>
+              <a:rPr lang="en-US"/>
               <a:t>Click to edit Master title style</a:t>
             </a:r>
-            <a:endParaRPr lang="en-US"/>
           </a:p>
         </p:txBody>
       </p:sp>
@@ -2494,38 +2474,37 @@
           <a:p>
             <a:pPr lvl="0"/>
             <a:r>
-              <a:rPr lang="en-US" smtClean="0"/>
+              <a:rPr lang="en-US"/>
               <a:t>Click to edit Master text styles</a:t>
             </a:r>
           </a:p>
           <a:p>
             <a:pPr lvl="1"/>
             <a:r>
-              <a:rPr lang="en-US" smtClean="0"/>
+              <a:rPr lang="en-US"/>
               <a:t>Second level</a:t>
             </a:r>
           </a:p>
           <a:p>
             <a:pPr lvl="2"/>
             <a:r>
-              <a:rPr lang="en-US" smtClean="0"/>
+              <a:rPr lang="en-US"/>
               <a:t>Third level</a:t>
             </a:r>
           </a:p>
           <a:p>
             <a:pPr lvl="3"/>
             <a:r>
-              <a:rPr lang="en-US" smtClean="0"/>
+              <a:rPr lang="en-US"/>
               <a:t>Fourth level</a:t>
             </a:r>
           </a:p>
           <a:p>
             <a:pPr lvl="4"/>
             <a:r>
-              <a:rPr lang="en-US" smtClean="0"/>
+              <a:rPr lang="en-US"/>
               <a:t>Fifth level</a:t>
             </a:r>
-            <a:endParaRPr lang="en-US"/>
           </a:p>
         </p:txBody>
       </p:sp>
@@ -2564,7 +2543,7 @@
           <a:p>
             <a:fld id="{9EDE0683-CD21-40D0-9352-407686A61438}" type="datetimeFigureOut">
               <a:rPr lang="en-US" smtClean="0"/>
-              <a:t>23-Sep-22</a:t>
+              <a:t>13-Nov-24</a:t>
             </a:fld>
             <a:endParaRPr lang="en-US"/>
           </a:p>
@@ -3050,70 +3029,70 @@
           <a:lstStyle/>
           <a:p>
             <a:r>
-              <a:rPr lang="en-US" dirty="0" smtClean="0"/>
+              <a:rPr lang="en-US" dirty="0"/>
               <a:t>This pinout is valid for firmware fw-vXX1 or fw-vXX2 only</a:t>
             </a:r>
           </a:p>
           <a:p>
             <a:r>
-              <a:rPr lang="en-US" dirty="0" smtClean="0"/>
+              <a:rPr lang="en-US" dirty="0"/>
               <a:t>Arduino Leonardo (as wheelbase) -&gt; Arduino Nano or UNO (as button box)</a:t>
             </a:r>
           </a:p>
           <a:p>
-            <a:endParaRPr lang="en-US" dirty="0" smtClean="0"/>
-          </a:p>
-          <a:p>
-            <a:r>
-              <a:rPr lang="en-US" dirty="0" smtClean="0"/>
+            <a:endParaRPr lang="en-US" dirty="0"/>
+          </a:p>
+          <a:p>
+            <a:r>
+              <a:rPr lang="en-US" dirty="0"/>
               <a:t>Leonardo GND                	-&gt; Nano GND</a:t>
             </a:r>
           </a:p>
           <a:p>
             <a:r>
-              <a:rPr lang="en-US" dirty="0" smtClean="0"/>
+              <a:rPr lang="en-US" dirty="0"/>
               <a:t>Leonardo 5V		-&gt; Nano 5V</a:t>
             </a:r>
           </a:p>
           <a:p>
             <a:r>
-              <a:rPr lang="en-US" dirty="0" smtClean="0"/>
+              <a:rPr lang="en-US" dirty="0"/>
               <a:t>Leonardo pin 6 (</a:t>
             </a:r>
             <a:r>
-              <a:rPr lang="en-US" dirty="0" err="1" smtClean="0"/>
+              <a:rPr lang="en-US" dirty="0" err="1"/>
               <a:t>DT_sh</a:t>
             </a:r>
             <a:r>
-              <a:rPr lang="en-US" dirty="0" smtClean="0"/>
+              <a:rPr lang="en-US" dirty="0"/>
               <a:t>)	-&gt; Nano pin 12</a:t>
             </a:r>
           </a:p>
           <a:p>
             <a:r>
-              <a:rPr lang="en-US" dirty="0" smtClean="0"/>
+              <a:rPr lang="en-US" dirty="0"/>
               <a:t>Leonardo pin 7 (</a:t>
             </a:r>
             <a:r>
-              <a:rPr lang="en-US" dirty="0" err="1" smtClean="0"/>
+              <a:rPr lang="en-US" dirty="0" err="1"/>
               <a:t>CLK_sh</a:t>
             </a:r>
             <a:r>
-              <a:rPr lang="en-US" dirty="0" smtClean="0"/>
+              <a:rPr lang="en-US" dirty="0"/>
               <a:t>)	-&gt; Nano pin 13</a:t>
             </a:r>
           </a:p>
           <a:p>
             <a:r>
-              <a:rPr lang="en-US" dirty="0" smtClean="0"/>
+              <a:rPr lang="en-US" dirty="0"/>
               <a:t>Leonardo pin 8 (</a:t>
             </a:r>
             <a:r>
-              <a:rPr lang="en-US" dirty="0" err="1" smtClean="0"/>
+              <a:rPr lang="en-US" dirty="0" err="1"/>
               <a:t>PL_sh</a:t>
             </a:r>
             <a:r>
-              <a:rPr lang="en-US" dirty="0" smtClean="0"/>
+              <a:rPr lang="en-US" dirty="0"/>
               <a:t>)	-&gt; Nano pin 10 and pin 2</a:t>
             </a:r>
           </a:p>
@@ -3122,18 +3101,18 @@
           </a:p>
           <a:p>
             <a:r>
-              <a:rPr lang="en-US" dirty="0" smtClean="0"/>
-              <a:t>Nano pins available for buttons (16 max):</a:t>
-            </a:r>
-          </a:p>
-          <a:p>
-            <a:r>
-              <a:rPr lang="en-US" dirty="0" smtClean="0"/>
-              <a:t>A0, A1, A2, A3, A4, A5, TX1, RX0, 3, 4, 5, 6, 7, 8, 9, 11</a:t>
-            </a:r>
-          </a:p>
-          <a:p>
-            <a:endParaRPr lang="en-US" dirty="0" smtClean="0"/>
+              <a:rPr lang="en-US" dirty="0"/>
+              <a:t>Nano pins available for buttons (0-15):</a:t>
+            </a:r>
+          </a:p>
+          <a:p>
+            <a:r>
+              <a:rPr lang="en-US" dirty="0"/>
+              <a:t>A0, 7, 6, 5, 4, 3, 9, TX, RX, 8, 11, A5, A4, A3, A2, A1</a:t>
+            </a:r>
+          </a:p>
+          <a:p>
+            <a:endParaRPr lang="en-US" dirty="0"/>
           </a:p>
         </p:txBody>
       </p:sp>
@@ -3225,16 +3204,15 @@
           <a:lstStyle/>
           <a:p>
             <a:r>
-              <a:rPr lang="en-US" dirty="0" smtClean="0"/>
+              <a:rPr lang="en-US" dirty="0"/>
               <a:t>Goes in the wheel rim along with all switches</a:t>
             </a:r>
           </a:p>
           <a:p>
             <a:r>
-              <a:rPr lang="en-US" dirty="0" smtClean="0"/>
+              <a:rPr lang="en-US" dirty="0"/>
               <a:t>Up to 16 switches are possible (can be less or none)</a:t>
             </a:r>
-            <a:endParaRPr lang="en-US" dirty="0"/>
           </a:p>
         </p:txBody>
       </p:sp>
@@ -3261,22 +3239,21 @@
           <a:lstStyle/>
           <a:p>
             <a:r>
-              <a:rPr lang="en-US" i="1" dirty="0" smtClean="0"/>
+              <a:rPr lang="en-US" i="1" dirty="0"/>
               <a:t>one pin of each switch go to one of these pins,</a:t>
             </a:r>
           </a:p>
           <a:p>
             <a:r>
-              <a:rPr lang="en-US" i="1" dirty="0" smtClean="0"/>
+              <a:rPr lang="en-US" i="1" dirty="0"/>
               <a:t>other end of all switches go to GND</a:t>
             </a:r>
           </a:p>
           <a:p>
             <a:r>
-              <a:rPr lang="en-US" i="1" dirty="0" smtClean="0"/>
+              <a:rPr lang="en-US" i="1" dirty="0"/>
               <a:t>when pressed, switch has to short these 2 pins (normally open contact)</a:t>
             </a:r>
-            <a:endParaRPr lang="en-US" i="1" dirty="0"/>
           </a:p>
         </p:txBody>
       </p:sp>
@@ -3341,24 +3318,23 @@
           <a:lstStyle/>
           <a:p>
             <a:r>
-              <a:rPr lang="en-US" i="1" dirty="0" smtClean="0"/>
+              <a:rPr lang="en-US" i="1" dirty="0"/>
               <a:t>separate button box</a:t>
             </a:r>
           </a:p>
           <a:p>
             <a:r>
-              <a:rPr lang="en-US" i="1" dirty="0" smtClean="0"/>
+              <a:rPr lang="en-US" i="1" dirty="0"/>
               <a:t>*.</a:t>
             </a:r>
             <a:r>
-              <a:rPr lang="en-US" i="1" dirty="0" err="1" smtClean="0"/>
+              <a:rPr lang="en-US" i="1" dirty="0" err="1"/>
               <a:t>ino</a:t>
             </a:r>
             <a:r>
-              <a:rPr lang="en-US" i="1" dirty="0" smtClean="0"/>
+              <a:rPr lang="en-US" i="1" dirty="0"/>
               <a:t> file is provided</a:t>
             </a:r>
-            <a:endParaRPr lang="en-US" i="1" dirty="0"/>
           </a:p>
         </p:txBody>
       </p:sp>
@@ -4514,34 +4490,25 @@
           <a:lstStyle/>
           <a:p>
             <a:r>
-              <a:rPr lang="en-US" dirty="0" smtClean="0"/>
+              <a:rPr lang="en-US" dirty="0"/>
               <a:t>Firmware with “h” option</a:t>
             </a:r>
           </a:p>
           <a:p>
             <a:r>
-              <a:rPr lang="en-US" dirty="0" smtClean="0"/>
-              <a:t>has </a:t>
-            </a:r>
-            <a:r>
               <a:rPr lang="en-US" dirty="0"/>
-              <a:t>hat switch </a:t>
-            </a:r>
-            <a:r>
-              <a:rPr lang="en-US" dirty="0" smtClean="0"/>
-              <a:t>support on</a:t>
-            </a:r>
-          </a:p>
-          <a:p>
-            <a:r>
-              <a:rPr lang="en-US" dirty="0" err="1" smtClean="0"/>
+              <a:t>has hat switch support on</a:t>
+            </a:r>
+          </a:p>
+          <a:p>
+            <a:r>
+              <a:rPr lang="en-US" dirty="0" err="1"/>
               <a:t>nano</a:t>
             </a:r>
             <a:r>
-              <a:rPr lang="en-US" dirty="0" smtClean="0"/>
+              <a:rPr lang="en-US" dirty="0"/>
               <a:t> pins:</a:t>
             </a:r>
-            <a:endParaRPr lang="en-US" dirty="0" smtClean="0"/>
           </a:p>
         </p:txBody>
       </p:sp>
@@ -4568,42 +4535,26 @@
           <a:lstStyle/>
           <a:p>
             <a:r>
-              <a:rPr lang="en-US" dirty="0" smtClean="0"/>
-              <a:t>A0 </a:t>
-            </a:r>
-            <a:r>
-              <a:rPr lang="en-US" dirty="0" smtClean="0"/>
-              <a:t>- up</a:t>
-            </a:r>
-          </a:p>
-          <a:p>
-            <a:r>
-              <a:rPr lang="en-US" dirty="0" smtClean="0"/>
-              <a:t>D7 </a:t>
-            </a:r>
-            <a:r>
-              <a:rPr lang="en-US" dirty="0" smtClean="0"/>
-              <a:t>- right</a:t>
-            </a:r>
-          </a:p>
-          <a:p>
-            <a:r>
-              <a:rPr lang="en-US" dirty="0" smtClean="0"/>
-              <a:t>D6 </a:t>
-            </a:r>
-            <a:r>
-              <a:rPr lang="en-US" dirty="0" smtClean="0"/>
-              <a:t>- down</a:t>
-            </a:r>
-          </a:p>
-          <a:p>
-            <a:r>
-              <a:rPr lang="en-US" dirty="0" smtClean="0"/>
-              <a:t>D5 </a:t>
-            </a:r>
-            <a:r>
-              <a:rPr lang="en-US" dirty="0" smtClean="0"/>
-              <a:t>- left</a:t>
+              <a:rPr lang="en-US" dirty="0"/>
+              <a:t>A0 - up</a:t>
+            </a:r>
+          </a:p>
+          <a:p>
+            <a:r>
+              <a:rPr lang="en-US" dirty="0"/>
+              <a:t>D7 - right</a:t>
+            </a:r>
+          </a:p>
+          <a:p>
+            <a:r>
+              <a:rPr lang="en-US" dirty="0"/>
+              <a:t>D6 - down</a:t>
+            </a:r>
+          </a:p>
+          <a:p>
+            <a:r>
+              <a:rPr lang="en-US" dirty="0"/>
+              <a:t>D5 - left</a:t>
             </a:r>
           </a:p>
         </p:txBody>

--- a/brWheel_my/wirings/Firmware-vXX1 button box pinout.pptx
+++ b/brWheel_my/wirings/Firmware-vXX1 button box pinout.pptx
@@ -241,7 +241,7 @@
           <a:p>
             <a:fld id="{9EDE0683-CD21-40D0-9352-407686A61438}" type="datetimeFigureOut">
               <a:rPr lang="en-US" smtClean="0"/>
-              <a:t>13-Nov-24</a:t>
+              <a:t>20-Mar-25</a:t>
             </a:fld>
             <a:endParaRPr lang="en-US"/>
           </a:p>
@@ -409,7 +409,7 @@
           <a:p>
             <a:fld id="{9EDE0683-CD21-40D0-9352-407686A61438}" type="datetimeFigureOut">
               <a:rPr lang="en-US" smtClean="0"/>
-              <a:t>13-Nov-24</a:t>
+              <a:t>20-Mar-25</a:t>
             </a:fld>
             <a:endParaRPr lang="en-US"/>
           </a:p>
@@ -587,7 +587,7 @@
           <a:p>
             <a:fld id="{9EDE0683-CD21-40D0-9352-407686A61438}" type="datetimeFigureOut">
               <a:rPr lang="en-US" smtClean="0"/>
-              <a:t>13-Nov-24</a:t>
+              <a:t>20-Mar-25</a:t>
             </a:fld>
             <a:endParaRPr lang="en-US"/>
           </a:p>
@@ -755,7 +755,7 @@
           <a:p>
             <a:fld id="{9EDE0683-CD21-40D0-9352-407686A61438}" type="datetimeFigureOut">
               <a:rPr lang="en-US" smtClean="0"/>
-              <a:t>13-Nov-24</a:t>
+              <a:t>20-Mar-25</a:t>
             </a:fld>
             <a:endParaRPr lang="en-US"/>
           </a:p>
@@ -1000,7 +1000,7 @@
           <a:p>
             <a:fld id="{9EDE0683-CD21-40D0-9352-407686A61438}" type="datetimeFigureOut">
               <a:rPr lang="en-US" smtClean="0"/>
-              <a:t>13-Nov-24</a:t>
+              <a:t>20-Mar-25</a:t>
             </a:fld>
             <a:endParaRPr lang="en-US"/>
           </a:p>
@@ -1229,7 +1229,7 @@
           <a:p>
             <a:fld id="{9EDE0683-CD21-40D0-9352-407686A61438}" type="datetimeFigureOut">
               <a:rPr lang="en-US" smtClean="0"/>
-              <a:t>13-Nov-24</a:t>
+              <a:t>20-Mar-25</a:t>
             </a:fld>
             <a:endParaRPr lang="en-US"/>
           </a:p>
@@ -1593,7 +1593,7 @@
           <a:p>
             <a:fld id="{9EDE0683-CD21-40D0-9352-407686A61438}" type="datetimeFigureOut">
               <a:rPr lang="en-US" smtClean="0"/>
-              <a:t>13-Nov-24</a:t>
+              <a:t>20-Mar-25</a:t>
             </a:fld>
             <a:endParaRPr lang="en-US"/>
           </a:p>
@@ -1710,7 +1710,7 @@
           <a:p>
             <a:fld id="{9EDE0683-CD21-40D0-9352-407686A61438}" type="datetimeFigureOut">
               <a:rPr lang="en-US" smtClean="0"/>
-              <a:t>13-Nov-24</a:t>
+              <a:t>20-Mar-25</a:t>
             </a:fld>
             <a:endParaRPr lang="en-US"/>
           </a:p>
@@ -1805,7 +1805,7 @@
           <a:p>
             <a:fld id="{9EDE0683-CD21-40D0-9352-407686A61438}" type="datetimeFigureOut">
               <a:rPr lang="en-US" smtClean="0"/>
-              <a:t>13-Nov-24</a:t>
+              <a:t>20-Mar-25</a:t>
             </a:fld>
             <a:endParaRPr lang="en-US"/>
           </a:p>
@@ -2080,7 +2080,7 @@
           <a:p>
             <a:fld id="{9EDE0683-CD21-40D0-9352-407686A61438}" type="datetimeFigureOut">
               <a:rPr lang="en-US" smtClean="0"/>
-              <a:t>13-Nov-24</a:t>
+              <a:t>20-Mar-25</a:t>
             </a:fld>
             <a:endParaRPr lang="en-US"/>
           </a:p>
@@ -2332,7 +2332,7 @@
           <a:p>
             <a:fld id="{9EDE0683-CD21-40D0-9352-407686A61438}" type="datetimeFigureOut">
               <a:rPr lang="en-US" smtClean="0"/>
-              <a:t>13-Nov-24</a:t>
+              <a:t>20-Mar-25</a:t>
             </a:fld>
             <a:endParaRPr lang="en-US"/>
           </a:p>
@@ -2543,7 +2543,7 @@
           <a:p>
             <a:fld id="{9EDE0683-CD21-40D0-9352-407686A61438}" type="datetimeFigureOut">
               <a:rPr lang="en-US" smtClean="0"/>
-              <a:t>13-Nov-24</a:t>
+              <a:t>20-Mar-25</a:t>
             </a:fld>
             <a:endParaRPr lang="en-US"/>
           </a:p>
@@ -3030,7 +3030,7 @@
           <a:p>
             <a:r>
               <a:rPr lang="en-US" dirty="0"/>
-              <a:t>This pinout is valid for firmware fw-vXX1 or fw-vXX2 only</a:t>
+              <a:t>This pinout is valid for firmware with option “n” only</a:t>
             </a:r>
           </a:p>
           <a:p>
@@ -3057,43 +3057,19 @@
           <a:p>
             <a:r>
               <a:rPr lang="en-US" dirty="0"/>
-              <a:t>Leonardo pin 6 (</a:t>
-            </a:r>
-            <a:r>
-              <a:rPr lang="en-US" dirty="0" err="1"/>
-              <a:t>DT_sh</a:t>
-            </a:r>
+              <a:t>Leonardo pin 6 (DT_SR)	-&gt; Nano pin 12</a:t>
+            </a:r>
+          </a:p>
+          <a:p>
             <a:r>
               <a:rPr lang="en-US" dirty="0"/>
-              <a:t>)	-&gt; Nano pin 12</a:t>
+              <a:t>Leonardo pin 7 (CLK_SR)	-&gt; Nano pin 13</a:t>
             </a:r>
           </a:p>
           <a:p>
             <a:r>
               <a:rPr lang="en-US" dirty="0"/>
-              <a:t>Leonardo pin 7 (</a:t>
-            </a:r>
-            <a:r>
-              <a:rPr lang="en-US" dirty="0" err="1"/>
-              <a:t>CLK_sh</a:t>
-            </a:r>
-            <a:r>
-              <a:rPr lang="en-US" dirty="0"/>
-              <a:t>)	-&gt; Nano pin 13</a:t>
-            </a:r>
-          </a:p>
-          <a:p>
-            <a:r>
-              <a:rPr lang="en-US" dirty="0"/>
-              <a:t>Leonardo pin 8 (</a:t>
-            </a:r>
-            <a:r>
-              <a:rPr lang="en-US" dirty="0" err="1"/>
-              <a:t>PL_sh</a:t>
-            </a:r>
-            <a:r>
-              <a:rPr lang="en-US" dirty="0"/>
-              <a:t>)	-&gt; Nano pin 10 and pin 2</a:t>
+              <a:t>Leonardo pin 8 (PL_SR)	-&gt; Nano pin 10 and pin 2</a:t>
             </a:r>
           </a:p>
           <a:p>
